--- a/presentations/Figures.pptx
+++ b/presentations/Figures.pptx
@@ -10364,31 +10364,6 @@
           </a:p>
         </p:txBody>
       </p:sp>
-      <p:sp>
-        <p:nvSpPr>
-          <p:cNvPr id="3" name="Content Placeholder 2">
-            <a:extLst>
-              <a:ext uri="{FF2B5EF4-FFF2-40B4-BE49-F238E27FC236}">
-                <a16:creationId xmlns:a16="http://schemas.microsoft.com/office/drawing/2014/main" id="{F08413E7-4ED6-06D2-8071-FED3874C5797}"/>
-              </a:ext>
-            </a:extLst>
-          </p:cNvPr>
-          <p:cNvSpPr>
-            <a:spLocks noGrp="1"/>
-          </p:cNvSpPr>
-          <p:nvPr>
-            <p:ph idx="1"/>
-          </p:nvPr>
-        </p:nvSpPr>
-        <p:spPr/>
-        <p:txBody>
-          <a:bodyPr/>
-          <a:lstStyle/>
-          <a:p>
-            <a:endParaRPr lang="en-US"/>
-          </a:p>
-        </p:txBody>
-      </p:sp>
     </p:spTree>
     <p:extLst>
       <p:ext uri="{BB962C8B-B14F-4D97-AF65-F5344CB8AC3E}">

--- a/presentations/Figures.pptx
+++ b/presentations/Figures.pptx
@@ -263,7 +263,7 @@
           <a:p>
             <a:fld id="{FA39EBF3-1FE9-F44B-843C-1C5B7B1629B0}" type="datetimeFigureOut">
               <a:rPr lang="en-US" smtClean="0"/>
-              <a:t>8/19/22</a:t>
+              <a:t>12/16/22</a:t>
             </a:fld>
             <a:endParaRPr lang="en-US"/>
           </a:p>
@@ -461,7 +461,7 @@
           <a:p>
             <a:fld id="{FA39EBF3-1FE9-F44B-843C-1C5B7B1629B0}" type="datetimeFigureOut">
               <a:rPr lang="en-US" smtClean="0"/>
-              <a:t>8/19/22</a:t>
+              <a:t>12/16/22</a:t>
             </a:fld>
             <a:endParaRPr lang="en-US"/>
           </a:p>
@@ -669,7 +669,7 @@
           <a:p>
             <a:fld id="{FA39EBF3-1FE9-F44B-843C-1C5B7B1629B0}" type="datetimeFigureOut">
               <a:rPr lang="en-US" smtClean="0"/>
-              <a:t>8/19/22</a:t>
+              <a:t>12/16/22</a:t>
             </a:fld>
             <a:endParaRPr lang="en-US"/>
           </a:p>
@@ -867,7 +867,7 @@
           <a:p>
             <a:fld id="{FA39EBF3-1FE9-F44B-843C-1C5B7B1629B0}" type="datetimeFigureOut">
               <a:rPr lang="en-US" smtClean="0"/>
-              <a:t>8/19/22</a:t>
+              <a:t>12/16/22</a:t>
             </a:fld>
             <a:endParaRPr lang="en-US"/>
           </a:p>
@@ -1142,7 +1142,7 @@
           <a:p>
             <a:fld id="{FA39EBF3-1FE9-F44B-843C-1C5B7B1629B0}" type="datetimeFigureOut">
               <a:rPr lang="en-US" smtClean="0"/>
-              <a:t>8/19/22</a:t>
+              <a:t>12/16/22</a:t>
             </a:fld>
             <a:endParaRPr lang="en-US"/>
           </a:p>
@@ -1407,7 +1407,7 @@
           <a:p>
             <a:fld id="{FA39EBF3-1FE9-F44B-843C-1C5B7B1629B0}" type="datetimeFigureOut">
               <a:rPr lang="en-US" smtClean="0"/>
-              <a:t>8/19/22</a:t>
+              <a:t>12/16/22</a:t>
             </a:fld>
             <a:endParaRPr lang="en-US"/>
           </a:p>
@@ -1819,7 +1819,7 @@
           <a:p>
             <a:fld id="{FA39EBF3-1FE9-F44B-843C-1C5B7B1629B0}" type="datetimeFigureOut">
               <a:rPr lang="en-US" smtClean="0"/>
-              <a:t>8/19/22</a:t>
+              <a:t>12/16/22</a:t>
             </a:fld>
             <a:endParaRPr lang="en-US"/>
           </a:p>
@@ -1960,7 +1960,7 @@
           <a:p>
             <a:fld id="{FA39EBF3-1FE9-F44B-843C-1C5B7B1629B0}" type="datetimeFigureOut">
               <a:rPr lang="en-US" smtClean="0"/>
-              <a:t>8/19/22</a:t>
+              <a:t>12/16/22</a:t>
             </a:fld>
             <a:endParaRPr lang="en-US"/>
           </a:p>
@@ -2073,7 +2073,7 @@
           <a:p>
             <a:fld id="{FA39EBF3-1FE9-F44B-843C-1C5B7B1629B0}" type="datetimeFigureOut">
               <a:rPr lang="en-US" smtClean="0"/>
-              <a:t>8/19/22</a:t>
+              <a:t>12/16/22</a:t>
             </a:fld>
             <a:endParaRPr lang="en-US"/>
           </a:p>
@@ -2384,7 +2384,7 @@
           <a:p>
             <a:fld id="{FA39EBF3-1FE9-F44B-843C-1C5B7B1629B0}" type="datetimeFigureOut">
               <a:rPr lang="en-US" smtClean="0"/>
-              <a:t>8/19/22</a:t>
+              <a:t>12/16/22</a:t>
             </a:fld>
             <a:endParaRPr lang="en-US"/>
           </a:p>
@@ -2672,7 +2672,7 @@
           <a:p>
             <a:fld id="{FA39EBF3-1FE9-F44B-843C-1C5B7B1629B0}" type="datetimeFigureOut">
               <a:rPr lang="en-US" smtClean="0"/>
-              <a:t>8/19/22</a:t>
+              <a:t>12/16/22</a:t>
             </a:fld>
             <a:endParaRPr lang="en-US"/>
           </a:p>
@@ -2913,7 +2913,7 @@
           <a:p>
             <a:fld id="{FA39EBF3-1FE9-F44B-843C-1C5B7B1629B0}" type="datetimeFigureOut">
               <a:rPr lang="en-US" smtClean="0"/>
-              <a:t>8/19/22</a:t>
+              <a:t>12/16/22</a:t>
             </a:fld>
             <a:endParaRPr lang="en-US"/>
           </a:p>
@@ -4348,7 +4348,7 @@
         </p:nvSpPr>
         <p:spPr>
           <a:xfrm>
-            <a:off x="495912" y="73402"/>
+            <a:off x="439783" y="262376"/>
             <a:ext cx="10515600" cy="315913"/>
           </a:xfrm>
         </p:spPr>
@@ -4358,7 +4358,10 @@
           </a:bodyPr>
           <a:lstStyle/>
           <a:p>
-            <a:endParaRPr lang="en-US" dirty="0"/>
+            <a:r>
+              <a:rPr lang="en-US" dirty="0"/>
+              <a:t>Creating a Map Function</a:t>
+            </a:r>
           </a:p>
         </p:txBody>
       </p:sp>

--- a/presentations/Figures.pptx
+++ b/presentations/Figures.pptx
@@ -263,7 +263,7 @@
           <a:p>
             <a:fld id="{FA39EBF3-1FE9-F44B-843C-1C5B7B1629B0}" type="datetimeFigureOut">
               <a:rPr lang="en-US" smtClean="0"/>
-              <a:t>8/19/22</a:t>
+              <a:t>4/16/23</a:t>
             </a:fld>
             <a:endParaRPr lang="en-US"/>
           </a:p>
@@ -461,7 +461,7 @@
           <a:p>
             <a:fld id="{FA39EBF3-1FE9-F44B-843C-1C5B7B1629B0}" type="datetimeFigureOut">
               <a:rPr lang="en-US" smtClean="0"/>
-              <a:t>8/19/22</a:t>
+              <a:t>4/16/23</a:t>
             </a:fld>
             <a:endParaRPr lang="en-US"/>
           </a:p>
@@ -669,7 +669,7 @@
           <a:p>
             <a:fld id="{FA39EBF3-1FE9-F44B-843C-1C5B7B1629B0}" type="datetimeFigureOut">
               <a:rPr lang="en-US" smtClean="0"/>
-              <a:t>8/19/22</a:t>
+              <a:t>4/16/23</a:t>
             </a:fld>
             <a:endParaRPr lang="en-US"/>
           </a:p>
@@ -867,7 +867,7 @@
           <a:p>
             <a:fld id="{FA39EBF3-1FE9-F44B-843C-1C5B7B1629B0}" type="datetimeFigureOut">
               <a:rPr lang="en-US" smtClean="0"/>
-              <a:t>8/19/22</a:t>
+              <a:t>4/16/23</a:t>
             </a:fld>
             <a:endParaRPr lang="en-US"/>
           </a:p>
@@ -1142,7 +1142,7 @@
           <a:p>
             <a:fld id="{FA39EBF3-1FE9-F44B-843C-1C5B7B1629B0}" type="datetimeFigureOut">
               <a:rPr lang="en-US" smtClean="0"/>
-              <a:t>8/19/22</a:t>
+              <a:t>4/16/23</a:t>
             </a:fld>
             <a:endParaRPr lang="en-US"/>
           </a:p>
@@ -1407,7 +1407,7 @@
           <a:p>
             <a:fld id="{FA39EBF3-1FE9-F44B-843C-1C5B7B1629B0}" type="datetimeFigureOut">
               <a:rPr lang="en-US" smtClean="0"/>
-              <a:t>8/19/22</a:t>
+              <a:t>4/16/23</a:t>
             </a:fld>
             <a:endParaRPr lang="en-US"/>
           </a:p>
@@ -1819,7 +1819,7 @@
           <a:p>
             <a:fld id="{FA39EBF3-1FE9-F44B-843C-1C5B7B1629B0}" type="datetimeFigureOut">
               <a:rPr lang="en-US" smtClean="0"/>
-              <a:t>8/19/22</a:t>
+              <a:t>4/16/23</a:t>
             </a:fld>
             <a:endParaRPr lang="en-US"/>
           </a:p>
@@ -1960,7 +1960,7 @@
           <a:p>
             <a:fld id="{FA39EBF3-1FE9-F44B-843C-1C5B7B1629B0}" type="datetimeFigureOut">
               <a:rPr lang="en-US" smtClean="0"/>
-              <a:t>8/19/22</a:t>
+              <a:t>4/16/23</a:t>
             </a:fld>
             <a:endParaRPr lang="en-US"/>
           </a:p>
@@ -2073,7 +2073,7 @@
           <a:p>
             <a:fld id="{FA39EBF3-1FE9-F44B-843C-1C5B7B1629B0}" type="datetimeFigureOut">
               <a:rPr lang="en-US" smtClean="0"/>
-              <a:t>8/19/22</a:t>
+              <a:t>4/16/23</a:t>
             </a:fld>
             <a:endParaRPr lang="en-US"/>
           </a:p>
@@ -2384,7 +2384,7 @@
           <a:p>
             <a:fld id="{FA39EBF3-1FE9-F44B-843C-1C5B7B1629B0}" type="datetimeFigureOut">
               <a:rPr lang="en-US" smtClean="0"/>
-              <a:t>8/19/22</a:t>
+              <a:t>4/16/23</a:t>
             </a:fld>
             <a:endParaRPr lang="en-US"/>
           </a:p>
@@ -2672,7 +2672,7 @@
           <a:p>
             <a:fld id="{FA39EBF3-1FE9-F44B-843C-1C5B7B1629B0}" type="datetimeFigureOut">
               <a:rPr lang="en-US" smtClean="0"/>
-              <a:t>8/19/22</a:t>
+              <a:t>4/16/23</a:t>
             </a:fld>
             <a:endParaRPr lang="en-US"/>
           </a:p>
@@ -2913,7 +2913,7 @@
           <a:p>
             <a:fld id="{FA39EBF3-1FE9-F44B-843C-1C5B7B1629B0}" type="datetimeFigureOut">
               <a:rPr lang="en-US" smtClean="0"/>
-              <a:t>8/19/22</a:t>
+              <a:t>4/16/23</a:t>
             </a:fld>
             <a:endParaRPr lang="en-US"/>
           </a:p>
@@ -10360,6 +10360,514 @@
           <a:bodyPr/>
           <a:lstStyle/>
           <a:p>
+            <a:r>
+              <a:rPr lang="en-US" dirty="0"/>
+              <a:t>Fun and Cost</a:t>
+            </a:r>
+          </a:p>
+        </p:txBody>
+      </p:sp>
+      <p:cxnSp>
+        <p:nvCxnSpPr>
+          <p:cNvPr id="4" name="Straight Arrow Connector 3">
+            <a:extLst>
+              <a:ext uri="{FF2B5EF4-FFF2-40B4-BE49-F238E27FC236}">
+                <a16:creationId xmlns:a16="http://schemas.microsoft.com/office/drawing/2014/main" id="{B5ADC895-5352-6EA3-EA0A-58AF3CCB7487}"/>
+              </a:ext>
+            </a:extLst>
+          </p:cNvPr>
+          <p:cNvCxnSpPr/>
+          <p:nvPr/>
+        </p:nvCxnSpPr>
+        <p:spPr>
+          <a:xfrm flipV="1">
+            <a:off x="3018622" y="2126256"/>
+            <a:ext cx="0" cy="3194891"/>
+          </a:xfrm>
+          <a:prstGeom prst="straightConnector1">
+            <a:avLst/>
+          </a:prstGeom>
+          <a:ln w="57150">
+            <a:solidFill>
+              <a:schemeClr val="tx1"/>
+            </a:solidFill>
+            <a:tailEnd type="triangle"/>
+          </a:ln>
+        </p:spPr>
+        <p:style>
+          <a:lnRef idx="1">
+            <a:schemeClr val="accent1"/>
+          </a:lnRef>
+          <a:fillRef idx="0">
+            <a:schemeClr val="accent1"/>
+          </a:fillRef>
+          <a:effectRef idx="0">
+            <a:schemeClr val="accent1"/>
+          </a:effectRef>
+          <a:fontRef idx="minor">
+            <a:schemeClr val="tx1"/>
+          </a:fontRef>
+        </p:style>
+      </p:cxnSp>
+      <p:cxnSp>
+        <p:nvCxnSpPr>
+          <p:cNvPr id="5" name="Straight Arrow Connector 4">
+            <a:extLst>
+              <a:ext uri="{FF2B5EF4-FFF2-40B4-BE49-F238E27FC236}">
+                <a16:creationId xmlns:a16="http://schemas.microsoft.com/office/drawing/2014/main" id="{674B42F3-C6A5-12A6-9CDE-C74062CB4BB9}"/>
+              </a:ext>
+            </a:extLst>
+          </p:cNvPr>
+          <p:cNvCxnSpPr>
+            <a:cxnSpLocks/>
+          </p:cNvCxnSpPr>
+          <p:nvPr/>
+        </p:nvCxnSpPr>
+        <p:spPr>
+          <a:xfrm>
+            <a:off x="3018622" y="5321147"/>
+            <a:ext cx="3978926" cy="0"/>
+          </a:xfrm>
+          <a:prstGeom prst="straightConnector1">
+            <a:avLst/>
+          </a:prstGeom>
+          <a:ln w="57150">
+            <a:solidFill>
+              <a:schemeClr val="tx1"/>
+            </a:solidFill>
+            <a:tailEnd type="triangle"/>
+          </a:ln>
+        </p:spPr>
+        <p:style>
+          <a:lnRef idx="1">
+            <a:schemeClr val="accent1"/>
+          </a:lnRef>
+          <a:fillRef idx="0">
+            <a:schemeClr val="accent1"/>
+          </a:fillRef>
+          <a:effectRef idx="0">
+            <a:schemeClr val="accent1"/>
+          </a:effectRef>
+          <a:fontRef idx="minor">
+            <a:schemeClr val="tx1"/>
+          </a:fontRef>
+        </p:style>
+      </p:cxnSp>
+      <p:sp>
+        <p:nvSpPr>
+          <p:cNvPr id="7" name="TextBox 6">
+            <a:extLst>
+              <a:ext uri="{FF2B5EF4-FFF2-40B4-BE49-F238E27FC236}">
+                <a16:creationId xmlns:a16="http://schemas.microsoft.com/office/drawing/2014/main" id="{299F72FA-D800-6D5B-A520-64AAF30FA8F7}"/>
+              </a:ext>
+            </a:extLst>
+          </p:cNvPr>
+          <p:cNvSpPr txBox="1"/>
+          <p:nvPr/>
+        </p:nvSpPr>
+        <p:spPr>
+          <a:xfrm>
+            <a:off x="3112041" y="2045988"/>
+            <a:ext cx="724878" cy="461665"/>
+          </a:xfrm>
+          <a:prstGeom prst="rect">
+            <a:avLst/>
+          </a:prstGeom>
+          <a:noFill/>
+        </p:spPr>
+        <p:txBody>
+          <a:bodyPr wrap="none" rtlCol="0">
+            <a:spAutoFit/>
+          </a:bodyPr>
+          <a:lstStyle/>
+          <a:p>
+            <a:r>
+              <a:rPr lang="en-US" sz="2400" b="1" dirty="0"/>
+              <a:t>Fun </a:t>
+            </a:r>
+          </a:p>
+        </p:txBody>
+      </p:sp>
+      <p:sp>
+        <p:nvSpPr>
+          <p:cNvPr id="8" name="TextBox 7">
+            <a:extLst>
+              <a:ext uri="{FF2B5EF4-FFF2-40B4-BE49-F238E27FC236}">
+                <a16:creationId xmlns:a16="http://schemas.microsoft.com/office/drawing/2014/main" id="{355CBD97-087F-4985-6A79-726EEBC28645}"/>
+              </a:ext>
+            </a:extLst>
+          </p:cNvPr>
+          <p:cNvSpPr txBox="1"/>
+          <p:nvPr/>
+        </p:nvSpPr>
+        <p:spPr>
+          <a:xfrm>
+            <a:off x="6295492" y="4764394"/>
+            <a:ext cx="809581" cy="461665"/>
+          </a:xfrm>
+          <a:prstGeom prst="rect">
+            <a:avLst/>
+          </a:prstGeom>
+          <a:noFill/>
+        </p:spPr>
+        <p:txBody>
+          <a:bodyPr wrap="none" rtlCol="0">
+            <a:spAutoFit/>
+          </a:bodyPr>
+          <a:lstStyle/>
+          <a:p>
+            <a:r>
+              <a:rPr lang="en-US" sz="2400" b="1" dirty="0"/>
+              <a:t>Cost </a:t>
+            </a:r>
+          </a:p>
+        </p:txBody>
+      </p:sp>
+      <p:sp>
+        <p:nvSpPr>
+          <p:cNvPr id="11" name="TextBox 10">
+            <a:extLst>
+              <a:ext uri="{FF2B5EF4-FFF2-40B4-BE49-F238E27FC236}">
+                <a16:creationId xmlns:a16="http://schemas.microsoft.com/office/drawing/2014/main" id="{81E78E8D-4406-DF74-8178-F93E93AEC7AF}"/>
+              </a:ext>
+            </a:extLst>
+          </p:cNvPr>
+          <p:cNvSpPr txBox="1"/>
+          <p:nvPr/>
+        </p:nvSpPr>
+        <p:spPr>
+          <a:xfrm>
+            <a:off x="3735700" y="5416236"/>
+            <a:ext cx="535724" cy="369332"/>
+          </a:xfrm>
+          <a:prstGeom prst="rect">
+            <a:avLst/>
+          </a:prstGeom>
+          <a:noFill/>
+        </p:spPr>
+        <p:txBody>
+          <a:bodyPr wrap="none" rtlCol="0">
+            <a:spAutoFit/>
+          </a:bodyPr>
+          <a:lstStyle/>
+          <a:p>
+            <a:r>
+              <a:rPr lang="en-US" dirty="0"/>
+              <a:t>$10</a:t>
+            </a:r>
+          </a:p>
+        </p:txBody>
+      </p:sp>
+      <p:sp>
+        <p:nvSpPr>
+          <p:cNvPr id="12" name="TextBox 11">
+            <a:extLst>
+              <a:ext uri="{FF2B5EF4-FFF2-40B4-BE49-F238E27FC236}">
+                <a16:creationId xmlns:a16="http://schemas.microsoft.com/office/drawing/2014/main" id="{466B5A33-8776-2984-0223-46D289943314}"/>
+              </a:ext>
+            </a:extLst>
+          </p:cNvPr>
+          <p:cNvSpPr txBox="1"/>
+          <p:nvPr/>
+        </p:nvSpPr>
+        <p:spPr>
+          <a:xfrm>
+            <a:off x="4714102" y="5416236"/>
+            <a:ext cx="652743" cy="369332"/>
+          </a:xfrm>
+          <a:prstGeom prst="rect">
+            <a:avLst/>
+          </a:prstGeom>
+          <a:noFill/>
+        </p:spPr>
+        <p:txBody>
+          <a:bodyPr wrap="none" rtlCol="0">
+            <a:spAutoFit/>
+          </a:bodyPr>
+          <a:lstStyle/>
+          <a:p>
+            <a:r>
+              <a:rPr lang="en-US" dirty="0"/>
+              <a:t>$100</a:t>
+            </a:r>
+          </a:p>
+        </p:txBody>
+      </p:sp>
+      <p:sp>
+        <p:nvSpPr>
+          <p:cNvPr id="13" name="TextBox 12">
+            <a:extLst>
+              <a:ext uri="{FF2B5EF4-FFF2-40B4-BE49-F238E27FC236}">
+                <a16:creationId xmlns:a16="http://schemas.microsoft.com/office/drawing/2014/main" id="{893E5E82-B380-33B3-AEBE-9F2028E2C3F7}"/>
+              </a:ext>
+            </a:extLst>
+          </p:cNvPr>
+          <p:cNvSpPr txBox="1"/>
+          <p:nvPr/>
+        </p:nvSpPr>
+        <p:spPr>
+          <a:xfrm>
+            <a:off x="5764639" y="5416236"/>
+            <a:ext cx="827471" cy="369332"/>
+          </a:xfrm>
+          <a:prstGeom prst="rect">
+            <a:avLst/>
+          </a:prstGeom>
+          <a:noFill/>
+        </p:spPr>
+        <p:txBody>
+          <a:bodyPr wrap="none" rtlCol="0">
+            <a:spAutoFit/>
+          </a:bodyPr>
+          <a:lstStyle/>
+          <a:p>
+            <a:r>
+              <a:rPr lang="en-US" dirty="0"/>
+              <a:t>$1,000</a:t>
+            </a:r>
+          </a:p>
+        </p:txBody>
+      </p:sp>
+      <p:grpSp>
+        <p:nvGrpSpPr>
+          <p:cNvPr id="16" name="Group 15">
+            <a:extLst>
+              <a:ext uri="{FF2B5EF4-FFF2-40B4-BE49-F238E27FC236}">
+                <a16:creationId xmlns:a16="http://schemas.microsoft.com/office/drawing/2014/main" id="{DCD7272D-C0D8-9650-C2AE-1B11221F7C8A}"/>
+              </a:ext>
+            </a:extLst>
+          </p:cNvPr>
+          <p:cNvGrpSpPr/>
+          <p:nvPr/>
+        </p:nvGrpSpPr>
+        <p:grpSpPr>
+          <a:xfrm>
+            <a:off x="3746208" y="2457474"/>
+            <a:ext cx="696166" cy="696166"/>
+            <a:chOff x="7182998" y="2126256"/>
+            <a:chExt cx="1123720" cy="1123720"/>
+          </a:xfrm>
+        </p:grpSpPr>
+        <p:sp>
+          <p:nvSpPr>
+            <p:cNvPr id="14" name="Donut 13">
+              <a:extLst>
+                <a:ext uri="{FF2B5EF4-FFF2-40B4-BE49-F238E27FC236}">
+                  <a16:creationId xmlns:a16="http://schemas.microsoft.com/office/drawing/2014/main" id="{F5F14D79-AF34-8473-F388-7BCEC0722D83}"/>
+                </a:ext>
+              </a:extLst>
+            </p:cNvPr>
+            <p:cNvSpPr/>
+            <p:nvPr/>
+          </p:nvSpPr>
+          <p:spPr>
+            <a:xfrm>
+              <a:off x="7182998" y="2126256"/>
+              <a:ext cx="1123720" cy="1123720"/>
+            </a:xfrm>
+            <a:prstGeom prst="donut">
+              <a:avLst>
+                <a:gd name="adj" fmla="val 13183"/>
+              </a:avLst>
+            </a:prstGeom>
+            <a:solidFill>
+              <a:srgbClr val="FF0000"/>
+            </a:solidFill>
+          </p:spPr>
+          <p:style>
+            <a:lnRef idx="2">
+              <a:schemeClr val="accent1">
+                <a:shade val="50000"/>
+              </a:schemeClr>
+            </a:lnRef>
+            <a:fillRef idx="1">
+              <a:schemeClr val="accent1"/>
+            </a:fillRef>
+            <a:effectRef idx="0">
+              <a:schemeClr val="accent1"/>
+            </a:effectRef>
+            <a:fontRef idx="minor">
+              <a:schemeClr val="lt1"/>
+            </a:fontRef>
+          </p:style>
+          <p:txBody>
+            <a:bodyPr rtlCol="0" anchor="ctr"/>
+            <a:lstStyle/>
+            <a:p>
+              <a:pPr algn="ctr"/>
+              <a:endParaRPr lang="en-US">
+                <a:solidFill>
+                  <a:schemeClr val="tx1"/>
+                </a:solidFill>
+              </a:endParaRPr>
+            </a:p>
+          </p:txBody>
+        </p:sp>
+        <p:sp>
+          <p:nvSpPr>
+            <p:cNvPr id="15" name="Oval 14">
+              <a:extLst>
+                <a:ext uri="{FF2B5EF4-FFF2-40B4-BE49-F238E27FC236}">
+                  <a16:creationId xmlns:a16="http://schemas.microsoft.com/office/drawing/2014/main" id="{1FCA32D9-639D-16A2-0189-709A87B831B4}"/>
+                </a:ext>
+              </a:extLst>
+            </p:cNvPr>
+            <p:cNvSpPr/>
+            <p:nvPr/>
+          </p:nvSpPr>
+          <p:spPr>
+            <a:xfrm>
+              <a:off x="7492067" y="2447767"/>
+              <a:ext cx="505582" cy="480697"/>
+            </a:xfrm>
+            <a:prstGeom prst="ellipse">
+              <a:avLst/>
+            </a:prstGeom>
+            <a:solidFill>
+              <a:srgbClr val="FF0000"/>
+            </a:solidFill>
+          </p:spPr>
+          <p:style>
+            <a:lnRef idx="2">
+              <a:schemeClr val="accent1">
+                <a:shade val="50000"/>
+              </a:schemeClr>
+            </a:lnRef>
+            <a:fillRef idx="1">
+              <a:schemeClr val="accent1"/>
+            </a:fillRef>
+            <a:effectRef idx="0">
+              <a:schemeClr val="accent1"/>
+            </a:effectRef>
+            <a:fontRef idx="minor">
+              <a:schemeClr val="lt1"/>
+            </a:fontRef>
+          </p:style>
+          <p:txBody>
+            <a:bodyPr rtlCol="0" anchor="ctr"/>
+            <a:lstStyle/>
+            <a:p>
+              <a:pPr algn="ctr"/>
+              <a:endParaRPr lang="en-US"/>
+            </a:p>
+          </p:txBody>
+        </p:sp>
+      </p:grpSp>
+      <p:sp>
+        <p:nvSpPr>
+          <p:cNvPr id="17" name="TextBox 16">
+            <a:extLst>
+              <a:ext uri="{FF2B5EF4-FFF2-40B4-BE49-F238E27FC236}">
+                <a16:creationId xmlns:a16="http://schemas.microsoft.com/office/drawing/2014/main" id="{AAE91703-2B0F-7F21-C9AF-1002FE97F6E4}"/>
+              </a:ext>
+            </a:extLst>
+          </p:cNvPr>
+          <p:cNvSpPr txBox="1"/>
+          <p:nvPr/>
+        </p:nvSpPr>
+        <p:spPr>
+          <a:xfrm rot="19388308">
+            <a:off x="4885846" y="4298321"/>
+            <a:ext cx="1140762" cy="369332"/>
+          </a:xfrm>
+          <a:prstGeom prst="rect">
+            <a:avLst/>
+          </a:prstGeom>
+          <a:noFill/>
+        </p:spPr>
+        <p:txBody>
+          <a:bodyPr wrap="none" rtlCol="0">
+            <a:spAutoFit/>
+          </a:bodyPr>
+          <a:lstStyle/>
+          <a:p>
+            <a:r>
+              <a:rPr lang="en-US" dirty="0"/>
+              <a:t>Low Value</a:t>
+            </a:r>
+          </a:p>
+        </p:txBody>
+      </p:sp>
+      <p:sp>
+        <p:nvSpPr>
+          <p:cNvPr id="18" name="TextBox 17">
+            <a:extLst>
+              <a:ext uri="{FF2B5EF4-FFF2-40B4-BE49-F238E27FC236}">
+                <a16:creationId xmlns:a16="http://schemas.microsoft.com/office/drawing/2014/main" id="{CF941AC6-A27B-2291-3C07-8B4A114EA68D}"/>
+              </a:ext>
+            </a:extLst>
+          </p:cNvPr>
+          <p:cNvSpPr txBox="1"/>
+          <p:nvPr/>
+        </p:nvSpPr>
+        <p:spPr>
+          <a:xfrm rot="19383814">
+            <a:off x="3899537" y="3130649"/>
+            <a:ext cx="1184940" cy="369332"/>
+          </a:xfrm>
+          <a:prstGeom prst="rect">
+            <a:avLst/>
+          </a:prstGeom>
+          <a:noFill/>
+        </p:spPr>
+        <p:txBody>
+          <a:bodyPr wrap="none" rtlCol="0">
+            <a:spAutoFit/>
+          </a:bodyPr>
+          <a:lstStyle/>
+          <a:p>
+            <a:r>
+              <a:rPr lang="en-US" dirty="0"/>
+              <a:t>High Value</a:t>
+            </a:r>
+          </a:p>
+        </p:txBody>
+      </p:sp>
+      <p:sp>
+        <p:nvSpPr>
+          <p:cNvPr id="19" name="Right Arrow 18">
+            <a:extLst>
+              <a:ext uri="{FF2B5EF4-FFF2-40B4-BE49-F238E27FC236}">
+                <a16:creationId xmlns:a16="http://schemas.microsoft.com/office/drawing/2014/main" id="{9E0E1623-6DEA-EF54-A053-D6198EFB56D8}"/>
+              </a:ext>
+            </a:extLst>
+          </p:cNvPr>
+          <p:cNvSpPr/>
+          <p:nvPr/>
+        </p:nvSpPr>
+        <p:spPr>
+          <a:xfrm rot="13995402">
+            <a:off x="4392185" y="3734539"/>
+            <a:ext cx="1147870" cy="294943"/>
+          </a:xfrm>
+          <a:prstGeom prst="rightArrow">
+            <a:avLst/>
+          </a:prstGeom>
+          <a:solidFill>
+            <a:schemeClr val="accent6"/>
+          </a:solidFill>
+        </p:spPr>
+        <p:style>
+          <a:lnRef idx="2">
+            <a:schemeClr val="accent1">
+              <a:shade val="50000"/>
+            </a:schemeClr>
+          </a:lnRef>
+          <a:fillRef idx="1">
+            <a:schemeClr val="accent1"/>
+          </a:fillRef>
+          <a:effectRef idx="0">
+            <a:schemeClr val="accent1"/>
+          </a:effectRef>
+          <a:fontRef idx="minor">
+            <a:schemeClr val="lt1"/>
+          </a:fontRef>
+        </p:style>
+        <p:txBody>
+          <a:bodyPr rtlCol="0" anchor="ctr"/>
+          <a:lstStyle/>
+          <a:p>
+            <a:pPr algn="ctr"/>
             <a:endParaRPr lang="en-US"/>
           </a:p>
         </p:txBody>
